--- a/ASE_Presentation.pptx
+++ b/ASE_Presentation.pptx
@@ -125,7 +125,18 @@
   </p:defaultTextStyle>
   <p:extLst>
     <p:ext uri="{EFAFB233-063F-42B5-8137-9DF3F51BA10A}">
-      <p15:sldGuideLst xmlns:p15="http://schemas.microsoft.com/office/powerpoint/2012/main" xmlns=""/>
+      <p15:sldGuideLst xmlns:p15="http://schemas.microsoft.com/office/powerpoint/2012/main">
+        <p15:guide id="1" orient="horz" pos="2160">
+          <p15:clr>
+            <a:srgbClr val="A4A3A4"/>
+          </p15:clr>
+        </p15:guide>
+        <p15:guide id="2" pos="3840">
+          <p15:clr>
+            <a:srgbClr val="A4A3A4"/>
+          </p15:clr>
+        </p15:guide>
+      </p15:sldGuideLst>
     </p:ext>
   </p:extLst>
 </p:presentation>
@@ -253,7 +264,7 @@
     </p:spTree>
     <p:extLst>
       <p:ext uri="{BB962C8B-B14F-4D97-AF65-F5344CB8AC3E}">
-        <p14:creationId xmlns:p14="http://schemas.microsoft.com/office/powerpoint/2010/main" xmlns="" val="3920352006"/>
+        <p14:creationId xmlns:p14="http://schemas.microsoft.com/office/powerpoint/2010/main" val="3920352006"/>
       </p:ext>
     </p:extLst>
   </p:cSld>
@@ -391,7 +402,7 @@
     </p:spTree>
     <p:extLst>
       <p:ext uri="{BB962C8B-B14F-4D97-AF65-F5344CB8AC3E}">
-        <p14:creationId xmlns:p14="http://schemas.microsoft.com/office/powerpoint/2010/main" xmlns="" val="2923412624"/>
+        <p14:creationId xmlns:p14="http://schemas.microsoft.com/office/powerpoint/2010/main" val="2923412624"/>
       </p:ext>
     </p:extLst>
   </p:cSld>
@@ -537,7 +548,7 @@
     </p:spTree>
     <p:extLst>
       <p:ext uri="{BB962C8B-B14F-4D97-AF65-F5344CB8AC3E}">
-        <p14:creationId xmlns:p14="http://schemas.microsoft.com/office/powerpoint/2010/main" xmlns="" val="3978303891"/>
+        <p14:creationId xmlns:p14="http://schemas.microsoft.com/office/powerpoint/2010/main" val="3978303891"/>
       </p:ext>
     </p:extLst>
   </p:cSld>
@@ -690,7 +701,7 @@
     </p:spTree>
     <p:extLst>
       <p:ext uri="{BB962C8B-B14F-4D97-AF65-F5344CB8AC3E}">
-        <p14:creationId xmlns:p14="http://schemas.microsoft.com/office/powerpoint/2010/main" xmlns="" val="1676027134"/>
+        <p14:creationId xmlns:p14="http://schemas.microsoft.com/office/powerpoint/2010/main" val="1676027134"/>
       </p:ext>
     </p:extLst>
   </p:cSld>
@@ -890,7 +901,7 @@
     </p:spTree>
     <p:extLst>
       <p:ext uri="{BB962C8B-B14F-4D97-AF65-F5344CB8AC3E}">
-        <p14:creationId xmlns:p14="http://schemas.microsoft.com/office/powerpoint/2010/main" xmlns="" val="520364890"/>
+        <p14:creationId xmlns:p14="http://schemas.microsoft.com/office/powerpoint/2010/main" val="520364890"/>
       </p:ext>
     </p:extLst>
   </p:cSld>
@@ -1051,7 +1062,7 @@
     </p:spTree>
     <p:extLst>
       <p:ext uri="{BB962C8B-B14F-4D97-AF65-F5344CB8AC3E}">
-        <p14:creationId xmlns:p14="http://schemas.microsoft.com/office/powerpoint/2010/main" xmlns="" val="2873768040"/>
+        <p14:creationId xmlns:p14="http://schemas.microsoft.com/office/powerpoint/2010/main" val="2873768040"/>
       </p:ext>
     </p:extLst>
   </p:cSld>
@@ -1270,7 +1281,7 @@
     </p:spTree>
     <p:extLst>
       <p:ext uri="{BB962C8B-B14F-4D97-AF65-F5344CB8AC3E}">
-        <p14:creationId xmlns:p14="http://schemas.microsoft.com/office/powerpoint/2010/main" xmlns="" val="3514060800"/>
+        <p14:creationId xmlns:p14="http://schemas.microsoft.com/office/powerpoint/2010/main" val="3514060800"/>
       </p:ext>
     </p:extLst>
   </p:cSld>
@@ -1480,7 +1491,7 @@
     </p:spTree>
     <p:extLst>
       <p:ext uri="{BB962C8B-B14F-4D97-AF65-F5344CB8AC3E}">
-        <p14:creationId xmlns:p14="http://schemas.microsoft.com/office/powerpoint/2010/main" xmlns="" val="1406630319"/>
+        <p14:creationId xmlns:p14="http://schemas.microsoft.com/office/powerpoint/2010/main" val="1406630319"/>
       </p:ext>
     </p:extLst>
   </p:cSld>
@@ -1590,7 +1601,7 @@
     </p:spTree>
     <p:extLst>
       <p:ext uri="{BB962C8B-B14F-4D97-AF65-F5344CB8AC3E}">
-        <p14:creationId xmlns:p14="http://schemas.microsoft.com/office/powerpoint/2010/main" xmlns="" val="1196646402"/>
+        <p14:creationId xmlns:p14="http://schemas.microsoft.com/office/powerpoint/2010/main" val="1196646402"/>
       </p:ext>
     </p:extLst>
   </p:cSld>
@@ -1666,7 +1677,7 @@
     </p:spTree>
     <p:extLst>
       <p:ext uri="{BB962C8B-B14F-4D97-AF65-F5344CB8AC3E}">
-        <p14:creationId xmlns:p14="http://schemas.microsoft.com/office/powerpoint/2010/main" xmlns="" val="3358703829"/>
+        <p14:creationId xmlns:p14="http://schemas.microsoft.com/office/powerpoint/2010/main" val="3358703829"/>
       </p:ext>
     </p:extLst>
   </p:cSld>
@@ -1930,7 +1941,7 @@
     </p:spTree>
     <p:extLst>
       <p:ext uri="{BB962C8B-B14F-4D97-AF65-F5344CB8AC3E}">
-        <p14:creationId xmlns:p14="http://schemas.microsoft.com/office/powerpoint/2010/main" xmlns="" val="469351859"/>
+        <p14:creationId xmlns:p14="http://schemas.microsoft.com/office/powerpoint/2010/main" val="469351859"/>
       </p:ext>
     </p:extLst>
   </p:cSld>
@@ -2068,7 +2079,7 @@
     </p:spTree>
     <p:extLst>
       <p:ext uri="{BB962C8B-B14F-4D97-AF65-F5344CB8AC3E}">
-        <p14:creationId xmlns:p14="http://schemas.microsoft.com/office/powerpoint/2010/main" xmlns="" val="4060745079"/>
+        <p14:creationId xmlns:p14="http://schemas.microsoft.com/office/powerpoint/2010/main" val="4060745079"/>
       </p:ext>
     </p:extLst>
   </p:cSld>
@@ -2255,7 +2266,7 @@
     </p:spTree>
     <p:extLst>
       <p:ext uri="{BB962C8B-B14F-4D97-AF65-F5344CB8AC3E}">
-        <p14:creationId xmlns:p14="http://schemas.microsoft.com/office/powerpoint/2010/main" xmlns="" val="2108647554"/>
+        <p14:creationId xmlns:p14="http://schemas.microsoft.com/office/powerpoint/2010/main" val="2108647554"/>
       </p:ext>
     </p:extLst>
   </p:cSld>
@@ -2455,7 +2466,7 @@
     </p:spTree>
     <p:extLst>
       <p:ext uri="{BB962C8B-B14F-4D97-AF65-F5344CB8AC3E}">
-        <p14:creationId xmlns:p14="http://schemas.microsoft.com/office/powerpoint/2010/main" xmlns="" val="2858514992"/>
+        <p14:creationId xmlns:p14="http://schemas.microsoft.com/office/powerpoint/2010/main" val="2858514992"/>
       </p:ext>
     </p:extLst>
   </p:cSld>
@@ -2663,7 +2674,7 @@
     </p:spTree>
     <p:extLst>
       <p:ext uri="{BB962C8B-B14F-4D97-AF65-F5344CB8AC3E}">
-        <p14:creationId xmlns:p14="http://schemas.microsoft.com/office/powerpoint/2010/main" xmlns="" val="661539777"/>
+        <p14:creationId xmlns:p14="http://schemas.microsoft.com/office/powerpoint/2010/main" val="661539777"/>
       </p:ext>
     </p:extLst>
   </p:cSld>
@@ -2803,7 +2814,7 @@
     </p:spTree>
     <p:extLst>
       <p:ext uri="{BB962C8B-B14F-4D97-AF65-F5344CB8AC3E}">
-        <p14:creationId xmlns:p14="http://schemas.microsoft.com/office/powerpoint/2010/main" xmlns="" val="680052014"/>
+        <p14:creationId xmlns:p14="http://schemas.microsoft.com/office/powerpoint/2010/main" val="680052014"/>
       </p:ext>
     </p:extLst>
   </p:cSld>
@@ -2976,7 +2987,7 @@
     </p:spTree>
     <p:extLst>
       <p:ext uri="{BB962C8B-B14F-4D97-AF65-F5344CB8AC3E}">
-        <p14:creationId xmlns:p14="http://schemas.microsoft.com/office/powerpoint/2010/main" xmlns="" val="3222498630"/>
+        <p14:creationId xmlns:p14="http://schemas.microsoft.com/office/powerpoint/2010/main" val="3222498630"/>
       </p:ext>
     </p:extLst>
   </p:cSld>
@@ -3150,7 +3161,7 @@
     </p:spTree>
     <p:extLst>
       <p:ext uri="{BB962C8B-B14F-4D97-AF65-F5344CB8AC3E}">
-        <p14:creationId xmlns:p14="http://schemas.microsoft.com/office/powerpoint/2010/main" xmlns="" val="1499870055"/>
+        <p14:creationId xmlns:p14="http://schemas.microsoft.com/office/powerpoint/2010/main" val="1499870055"/>
       </p:ext>
     </p:extLst>
   </p:cSld>
@@ -3239,7 +3250,7 @@
     </p:spTree>
     <p:extLst>
       <p:ext uri="{BB962C8B-B14F-4D97-AF65-F5344CB8AC3E}">
-        <p14:creationId xmlns:p14="http://schemas.microsoft.com/office/powerpoint/2010/main" xmlns="" val="1251890579"/>
+        <p14:creationId xmlns:p14="http://schemas.microsoft.com/office/powerpoint/2010/main" val="1251890579"/>
       </p:ext>
     </p:extLst>
   </p:cSld>
@@ -3303,7 +3314,7 @@
     </p:spTree>
     <p:extLst>
       <p:ext uri="{BB962C8B-B14F-4D97-AF65-F5344CB8AC3E}">
-        <p14:creationId xmlns:p14="http://schemas.microsoft.com/office/powerpoint/2010/main" xmlns="" val="916306108"/>
+        <p14:creationId xmlns:p14="http://schemas.microsoft.com/office/powerpoint/2010/main" val="916306108"/>
       </p:ext>
     </p:extLst>
   </p:cSld>
@@ -3499,7 +3510,7 @@
     </p:spTree>
     <p:extLst>
       <p:ext uri="{BB962C8B-B14F-4D97-AF65-F5344CB8AC3E}">
-        <p14:creationId xmlns:p14="http://schemas.microsoft.com/office/powerpoint/2010/main" xmlns="" val="3660105807"/>
+        <p14:creationId xmlns:p14="http://schemas.microsoft.com/office/powerpoint/2010/main" val="3660105807"/>
       </p:ext>
     </p:extLst>
   </p:cSld>
@@ -3664,7 +3675,7 @@
     </p:spTree>
     <p:extLst>
       <p:ext uri="{BB962C8B-B14F-4D97-AF65-F5344CB8AC3E}">
-        <p14:creationId xmlns:p14="http://schemas.microsoft.com/office/powerpoint/2010/main" xmlns="" val="2469545137"/>
+        <p14:creationId xmlns:p14="http://schemas.microsoft.com/office/powerpoint/2010/main" val="2469545137"/>
       </p:ext>
     </p:extLst>
   </p:cSld>
@@ -3727,7 +3738,7 @@
           </a:ln>
           <a:extLst>
             <a:ext uri="{C572A759-6A51-4108-AA02-DFA0A04FC94B}">
-              <ma14:wrappingTextBoxFlag xmlns="" xmlns:ma14="http://schemas.microsoft.com/office/mac/drawingml/2011/main" val="1"/>
+              <ma14:wrappingTextBoxFlag xmlns:ma14="http://schemas.microsoft.com/office/mac/drawingml/2011/main" xmlns="" val="1"/>
             </a:ext>
           </a:extLst>
         </p:spPr>
@@ -3766,7 +3777,7 @@
           </a:ln>
           <a:extLst>
             <a:ext uri="{C572A759-6A51-4108-AA02-DFA0A04FC94B}">
-              <ma14:wrappingTextBoxFlag xmlns="" xmlns:ma14="http://schemas.microsoft.com/office/mac/drawingml/2011/main" val="1"/>
+              <ma14:wrappingTextBoxFlag xmlns:ma14="http://schemas.microsoft.com/office/mac/drawingml/2011/main" xmlns="" val="1"/>
             </a:ext>
           </a:extLst>
         </p:spPr>
@@ -3859,7 +3870,7 @@
     </p:spTree>
     <p:extLst>
       <p:ext uri="{BB962C8B-B14F-4D97-AF65-F5344CB8AC3E}">
-        <p14:creationId xmlns:p14="http://schemas.microsoft.com/office/powerpoint/2010/main" xmlns="" val="828480783"/>
+        <p14:creationId xmlns:p14="http://schemas.microsoft.com/office/powerpoint/2010/main" val="828480783"/>
       </p:ext>
     </p:extLst>
   </p:cSld>
@@ -4889,7 +4900,7 @@
     </p:spTree>
     <p:extLst>
       <p:ext uri="{BB962C8B-B14F-4D97-AF65-F5344CB8AC3E}">
-        <p14:creationId xmlns:p14="http://schemas.microsoft.com/office/powerpoint/2010/main" xmlns="" val="4012298650"/>
+        <p14:creationId xmlns:p14="http://schemas.microsoft.com/office/powerpoint/2010/main" val="4012298650"/>
       </p:ext>
     </p:extLst>
   </p:cSld>
@@ -6224,7 +6235,7 @@
     </p:spTree>
     <p:extLst>
       <p:ext uri="{BB962C8B-B14F-4D97-AF65-F5344CB8AC3E}">
-        <p14:creationId xmlns:p14="http://schemas.microsoft.com/office/powerpoint/2010/main" xmlns="" val="10101496"/>
+        <p14:creationId xmlns:p14="http://schemas.microsoft.com/office/powerpoint/2010/main" val="10101496"/>
       </p:ext>
     </p:extLst>
   </p:cSld>
@@ -6459,7 +6470,7 @@
     </p:spTree>
     <p:extLst>
       <p:ext uri="{BB962C8B-B14F-4D97-AF65-F5344CB8AC3E}">
-        <p14:creationId xmlns:p14="http://schemas.microsoft.com/office/powerpoint/2010/main" xmlns="" val="3035411991"/>
+        <p14:creationId xmlns:p14="http://schemas.microsoft.com/office/powerpoint/2010/main" val="3035411991"/>
       </p:ext>
     </p:extLst>
   </p:cSld>
@@ -6554,7 +6565,6 @@
               <a:rPr lang="en-US" sz="2400" dirty="0" smtClean="0"/>
               <a:t>.</a:t>
             </a:r>
-            <a:endParaRPr lang="en-US" sz="2400" dirty="0" smtClean="0"/>
           </a:p>
           <a:p>
             <a:pPr algn="just">
@@ -6592,7 +6602,7 @@
     </p:spTree>
     <p:extLst>
       <p:ext uri="{BB962C8B-B14F-4D97-AF65-F5344CB8AC3E}">
-        <p14:creationId xmlns:p14="http://schemas.microsoft.com/office/powerpoint/2010/main" xmlns="" val="2666816225"/>
+        <p14:creationId xmlns:p14="http://schemas.microsoft.com/office/powerpoint/2010/main" val="2666816225"/>
       </p:ext>
     </p:extLst>
   </p:cSld>
@@ -6728,7 +6738,7 @@
     </p:spTree>
     <p:extLst>
       <p:ext uri="{BB962C8B-B14F-4D97-AF65-F5344CB8AC3E}">
-        <p14:creationId xmlns:p14="http://schemas.microsoft.com/office/powerpoint/2010/main" xmlns="" val="3843284202"/>
+        <p14:creationId xmlns:p14="http://schemas.microsoft.com/office/powerpoint/2010/main" val="3843284202"/>
       </p:ext>
     </p:extLst>
   </p:cSld>
@@ -6811,7 +6821,19 @@
             </a:r>
             <a:r>
               <a:rPr lang="en-US" sz="2400" dirty="0"/>
-              <a:t>is decentralized and contributions are made without monetary reward.8 The contributors, rather than a paying client, decide the project’s scope and goals</a:t>
+              <a:t>is decentralized and contributions are made without monetary </a:t>
+            </a:r>
+            <a:r>
+              <a:rPr lang="en-US" sz="2400" smtClean="0"/>
+              <a:t>reward.The</a:t>
+            </a:r>
+            <a:r>
+              <a:rPr lang="en-US" sz="2400" dirty="0" smtClean="0"/>
+              <a:t> </a:t>
+            </a:r>
+            <a:r>
+              <a:rPr lang="en-US" sz="2400" dirty="0"/>
+              <a:t>contributors, rather than a paying client, decide the project’s scope and goals</a:t>
             </a:r>
             <a:r>
               <a:rPr lang="en-US" sz="2400" dirty="0" smtClean="0"/>
@@ -6824,19 +6846,7 @@
             </a:pPr>
             <a:r>
               <a:rPr lang="en-US" sz="2400" dirty="0" smtClean="0"/>
-              <a:t> </a:t>
-            </a:r>
-            <a:r>
-              <a:rPr lang="en-US" sz="2400" dirty="0" smtClean="0"/>
-              <a:t>  </a:t>
-            </a:r>
-            <a:r>
-              <a:rPr lang="en-US" sz="2400" dirty="0" smtClean="0"/>
-              <a:t> Example </a:t>
-            </a:r>
-            <a:r>
-              <a:rPr lang="en-US" sz="2400" dirty="0" smtClean="0"/>
-              <a:t>: Open Source</a:t>
+              <a:t>    Example : Open Source</a:t>
             </a:r>
           </a:p>
           <a:p>
@@ -6846,11 +6856,7 @@
             </a:pPr>
             <a:r>
               <a:rPr lang="en-US" sz="2400" dirty="0" smtClean="0"/>
-              <a:t>Competitions -  In this model the client requests for the task and the co pilot divides the tasks and assigns to the eligible workers</a:t>
-            </a:r>
-            <a:r>
-              <a:rPr lang="en-US" sz="2400" dirty="0" smtClean="0"/>
-              <a:t>.</a:t>
+              <a:t>Competitions -  In this model the client requests for the task and the co pilot divides the tasks and assigns to the eligible workers.</a:t>
             </a:r>
           </a:p>
           <a:p>
@@ -6859,15 +6865,7 @@
             </a:pPr>
             <a:r>
               <a:rPr lang="en-US" sz="2400" dirty="0" smtClean="0"/>
-              <a:t> </a:t>
-            </a:r>
-            <a:r>
-              <a:rPr lang="en-US" sz="2400" dirty="0" smtClean="0"/>
-              <a:t>  </a:t>
-            </a:r>
-            <a:r>
-              <a:rPr lang="en-US" sz="2400" dirty="0" smtClean="0"/>
-              <a:t> Example </a:t>
+              <a:t>    Example </a:t>
             </a:r>
             <a:r>
               <a:rPr lang="en-US" sz="2400" dirty="0"/>
@@ -6890,7 +6888,7 @@
     </p:spTree>
     <p:extLst>
       <p:ext uri="{BB962C8B-B14F-4D97-AF65-F5344CB8AC3E}">
-        <p14:creationId xmlns:p14="http://schemas.microsoft.com/office/powerpoint/2010/main" xmlns="" val="4081989028"/>
+        <p14:creationId xmlns:p14="http://schemas.microsoft.com/office/powerpoint/2010/main" val="4081989028"/>
       </p:ext>
     </p:extLst>
   </p:cSld>
@@ -7113,11 +7111,7 @@
             </a:r>
             <a:r>
               <a:rPr lang="en-US" dirty="0" err="1" smtClean="0"/>
-              <a:t>C</a:t>
-            </a:r>
-            <a:r>
-              <a:rPr lang="en-US" dirty="0" err="1" smtClean="0"/>
-              <a:t>rowdsourcing</a:t>
+              <a:t>Crowdsourcing</a:t>
             </a:r>
             <a:endParaRPr lang="en-US" dirty="0"/>
           </a:p>
@@ -7309,7 +7303,6 @@
               <a:rPr lang="en-US" sz="2000" dirty="0" smtClean="0"/>
               <a:t>Table 2:</a:t>
             </a:r>
-            <a:endParaRPr lang="en-US" sz="2000" dirty="0" smtClean="0"/>
           </a:p>
           <a:p>
             <a:endParaRPr lang="en-US" sz="2000" dirty="0" smtClean="0"/>
